--- a/proj_03_Capstone/step_10 presentation/Air Time On Time System.pptx
+++ b/proj_03_Capstone/step_10 presentation/Air Time On Time System.pptx
@@ -799,7 +799,7 @@
   <p:cSld>
     <p:spTree>
       <p:nvGrpSpPr>
-        <p:cNvPr id="114" name="Shape 114"/>
+        <p:cNvPr id="113" name="Shape 113"/>
         <p:cNvGrpSpPr/>
         <p:nvPr/>
       </p:nvGrpSpPr>
@@ -813,7 +813,7 @@
       </p:grpSpPr>
       <p:sp>
         <p:nvSpPr>
-          <p:cNvPr id="115" name="Google Shape;115;g1350895981c_0_0:notes"/>
+          <p:cNvPr id="114" name="Google Shape;114;g1350895981c_0_0:notes"/>
           <p:cNvSpPr/>
           <p:nvPr>
             <p:ph idx="2" type="sldImg"/>
@@ -848,7 +848,7 @@
       </p:sp>
       <p:sp>
         <p:nvSpPr>
-          <p:cNvPr id="116" name="Google Shape;116;g1350895981c_0_0:notes"/>
+          <p:cNvPr id="115" name="Google Shape;115;g1350895981c_0_0:notes"/>
           <p:cNvSpPr txBox="1"/>
           <p:nvPr>
             <p:ph idx="1" type="body"/>
@@ -6640,7 +6640,7 @@
             <a:tbl>
               <a:tblPr>
                 <a:noFill/>
-                <a:tableStyleId>{DB38471E-F586-4F24-9AEC-4CC3391942CF}</a:tableStyleId>
+                <a:tableStyleId>{2DA73D45-28BA-49FE-9A37-7859FDFCD855}</a:tableStyleId>
               </a:tblPr>
               <a:tblGrid>
                 <a:gridCol w="1180600"/>
@@ -6764,7 +6764,7 @@
         <p:spPr>
           <a:xfrm>
             <a:off x="296925" y="154400"/>
-            <a:ext cx="7103700" cy="523200"/>
+            <a:ext cx="7103700" cy="538800"/>
           </a:xfrm>
           <a:prstGeom prst="rect">
             <a:avLst/>
@@ -6790,10 +6790,10 @@
               <a:buNone/>
             </a:pPr>
             <a:r>
-              <a:rPr b="1" lang="en" sz="2200"/>
+              <a:rPr b="1" lang="en" sz="2300"/>
               <a:t>Airline On-Time Analysis System</a:t>
             </a:r>
-            <a:endParaRPr b="1" sz="2200"/>
+            <a:endParaRPr b="1" sz="2300"/>
           </a:p>
         </p:txBody>
       </p:sp>
@@ -6898,7 +6898,7 @@
   <p:cSld>
     <p:spTree>
       <p:nvGrpSpPr>
-        <p:cNvPr id="117" name="Shape 117"/>
+        <p:cNvPr id="116" name="Shape 116"/>
         <p:cNvGrpSpPr/>
         <p:nvPr/>
       </p:nvGrpSpPr>
@@ -6912,7 +6912,7 @@
       </p:grpSpPr>
       <p:sp>
         <p:nvSpPr>
-          <p:cNvPr id="118" name="Google Shape;118;p22"/>
+          <p:cNvPr id="117" name="Google Shape;117;p22"/>
           <p:cNvSpPr txBox="1"/>
           <p:nvPr>
             <p:ph idx="1" type="body"/>
@@ -6920,7 +6920,7 @@
         </p:nvSpPr>
         <p:spPr>
           <a:xfrm>
-            <a:off x="311700" y="1152475"/>
+            <a:off x="311700" y="1076275"/>
             <a:ext cx="8520600" cy="3416400"/>
           </a:xfrm>
           <a:prstGeom prst="rect">
@@ -6951,7 +6951,7 @@
       </p:sp>
       <p:pic>
         <p:nvPicPr>
-          <p:cNvPr id="119" name="Google Shape;119;p22"/>
+          <p:cNvPr id="118" name="Google Shape;118;p22"/>
           <p:cNvPicPr preferRelativeResize="0"/>
           <p:nvPr/>
         </p:nvPicPr>
@@ -6965,8 +6965,8 @@
         </p:blipFill>
         <p:spPr>
           <a:xfrm>
-            <a:off x="0" y="444663"/>
-            <a:ext cx="9143999" cy="4558974"/>
+            <a:off x="228600" y="704125"/>
+            <a:ext cx="8623551" cy="4299500"/>
           </a:xfrm>
           <a:prstGeom prst="rect">
             <a:avLst/>
@@ -6979,14 +6979,14 @@
       </p:pic>
       <p:sp>
         <p:nvSpPr>
-          <p:cNvPr id="120" name="Google Shape;120;p22"/>
+          <p:cNvPr id="119" name="Google Shape;119;p22"/>
           <p:cNvSpPr txBox="1"/>
           <p:nvPr/>
         </p:nvSpPr>
         <p:spPr>
           <a:xfrm>
-            <a:off x="1076375" y="10500"/>
-            <a:ext cx="6971100" cy="369300"/>
+            <a:off x="60950" y="-85500"/>
+            <a:ext cx="8791200" cy="738900"/>
           </a:xfrm>
           <a:prstGeom prst="rect">
             <a:avLst/>
@@ -7012,20 +7012,45 @@
               <a:buNone/>
             </a:pPr>
             <a:r>
-              <a:rPr lang="en" sz="1200"/>
-              <a:t>Changes on the n</a:t>
+              <a:rPr b="1" lang="en" sz="1200"/>
+              <a:t>Question</a:t>
             </a:r>
             <a:r>
               <a:rPr lang="en" sz="1200"/>
-              <a:t>umber of flights departing from Seattle to </a:t>
+              <a:t>: How does the number of people flying between different locations change over time?</a:t>
+            </a:r>
+            <a:endParaRPr sz="1200"/>
+          </a:p>
+          <a:p>
+            <a:pPr indent="0" lvl="0" marL="0" rtl="0" algn="l">
+              <a:spcBef>
+                <a:spcPts val="0"/>
+              </a:spcBef>
+              <a:spcAft>
+                <a:spcPts val="0"/>
+              </a:spcAft>
+              <a:buClr>
+                <a:schemeClr val="dk1"/>
+              </a:buClr>
+              <a:buSzPts val="1100"/>
+              <a:buFont typeface="Arial"/>
+              <a:buNone/>
+            </a:pPr>
+            <a:r>
+              <a:rPr b="1" lang="en" sz="1200">
+                <a:solidFill>
+                  <a:schemeClr val="dk1"/>
+                </a:solidFill>
+              </a:rPr>
+              <a:t>Answer:  </a:t>
             </a:r>
             <a:r>
-              <a:rPr lang="en" sz="1200"/>
-              <a:t>different</a:t>
-            </a:r>
-            <a:r>
-              <a:rPr lang="en" sz="1200"/>
-              <a:t> states between 1997 and 2006</a:t>
+              <a:rPr lang="en" sz="1200">
+                <a:solidFill>
+                  <a:schemeClr val="dk1"/>
+                </a:solidFill>
+              </a:rPr>
+              <a:t>Below are number of flights departing from Seattle to different states over 10 years. We can see for some states, the number has increased significantly, such as IL, NV, FL. GA, etc; for some, it has not, such as AK, CA, WA.</a:t>
             </a:r>
             <a:endParaRPr sz="1200"/>
           </a:p>
@@ -7075,7 +7100,7 @@
         </p:spPr>
         <p:txBody>
           <a:bodyPr anchorCtr="0" anchor="t" bIns="91425" lIns="91425" spcFirstLastPara="1" rIns="91425" wrap="square" tIns="91425">
-            <a:normAutofit fontScale="90000"/>
+            <a:normAutofit/>
           </a:bodyPr>
           <a:lstStyle/>
           <a:p>
@@ -7086,13 +7111,14 @@
               <a:spcAft>
                 <a:spcPts val="0"/>
               </a:spcAft>
+              <a:buSzPts val="990"/>
               <a:buNone/>
             </a:pPr>
             <a:r>
-              <a:rPr lang="en"/>
+              <a:rPr b="1" lang="en" sz="2120"/>
               <a:t>Architecture</a:t>
             </a:r>
-            <a:endParaRPr/>
+            <a:endParaRPr b="1" sz="2120"/>
           </a:p>
         </p:txBody>
       </p:sp>
@@ -7193,7 +7219,7 @@
         </p:blipFill>
         <p:spPr>
           <a:xfrm>
-            <a:off x="276350" y="772100"/>
+            <a:off x="206875" y="638000"/>
             <a:ext cx="8305800" cy="4133850"/>
           </a:xfrm>
           <a:prstGeom prst="rect">
@@ -7213,7 +7239,7 @@
         </p:nvSpPr>
         <p:spPr>
           <a:xfrm>
-            <a:off x="475775" y="228325"/>
+            <a:off x="406300" y="94225"/>
             <a:ext cx="2086200" cy="477000"/>
           </a:xfrm>
           <a:prstGeom prst="rect">
@@ -7240,10 +7266,10 @@
               <a:buNone/>
             </a:pPr>
             <a:r>
-              <a:rPr lang="en" sz="1900"/>
+              <a:rPr b="1" lang="en" sz="1900"/>
               <a:t>Storage</a:t>
             </a:r>
-            <a:endParaRPr sz="1900"/>
+            <a:endParaRPr b="1" sz="1900"/>
           </a:p>
         </p:txBody>
       </p:sp>
@@ -7856,8 +7882,8 @@
         </p:nvSpPr>
         <p:spPr>
           <a:xfrm>
-            <a:off x="387900" y="1054625"/>
-            <a:ext cx="8520600" cy="572700"/>
+            <a:off x="387900" y="673625"/>
+            <a:ext cx="8520600" cy="418500"/>
           </a:xfrm>
           <a:prstGeom prst="rect">
             <a:avLst/>
@@ -7914,7 +7940,7 @@
         </p:blipFill>
         <p:spPr>
           <a:xfrm>
-            <a:off x="311700" y="1384275"/>
+            <a:off x="311700" y="1003275"/>
             <a:ext cx="8839199" cy="3535680"/>
           </a:xfrm>
           <a:prstGeom prst="rect">
@@ -7934,8 +7960,8 @@
         </p:nvSpPr>
         <p:spPr>
           <a:xfrm>
-            <a:off x="765725" y="4544600"/>
-            <a:ext cx="7686300" cy="400200"/>
+            <a:off x="517200" y="4138750"/>
+            <a:ext cx="8238300" cy="615600"/>
           </a:xfrm>
           <a:prstGeom prst="rect">
             <a:avLst/>
@@ -7962,15 +7988,15 @@
             </a:pPr>
             <a:r>
               <a:rPr b="1" lang="en"/>
-              <a:t>Answers</a:t>
+              <a:t>Answer</a:t>
             </a:r>
             <a:r>
               <a:rPr lang="en"/>
-              <a:t>: T</a:t>
+              <a:t>: Above are the average delays in minutes against month, DayofWeek and DayofMonth.  We can see: t</a:t>
             </a:r>
             <a:r>
               <a:rPr lang="en"/>
-              <a:t>he best month is Sep;   best day of week is Saturday;  best day of month is 8th. </a:t>
+              <a:t>he best month is September;   best day of week is Saturday;  best day of month is 8th. </a:t>
             </a:r>
             <a:endParaRPr/>
           </a:p>
@@ -7984,7 +8010,7 @@
         </p:nvSpPr>
         <p:spPr>
           <a:xfrm>
-            <a:off x="210050" y="206525"/>
+            <a:off x="210050" y="-22075"/>
             <a:ext cx="8322000" cy="738900"/>
           </a:xfrm>
           <a:prstGeom prst="rect">
@@ -8032,7 +8058,7 @@
             </a:r>
             <a:r>
               <a:rPr lang="en" sz="1500"/>
-              <a:t>,  we ran queries using our published layer data (Snowflow tables) or integrated layer (parquet files) and got </a:t>
+              <a:t>,  we ran queries using our published layer data (Snowflake tables) or integrated layer (parquet files) and got </a:t>
             </a:r>
             <a:r>
               <a:rPr lang="en" sz="1500"/>
@@ -8081,8 +8107,8 @@
         </p:nvSpPr>
         <p:spPr>
           <a:xfrm>
-            <a:off x="311700" y="445025"/>
-            <a:ext cx="8520600" cy="572700"/>
+            <a:off x="246425" y="216425"/>
+            <a:ext cx="8737200" cy="572700"/>
           </a:xfrm>
           <a:prstGeom prst="rect">
             <a:avLst/>
@@ -8090,7 +8116,7 @@
         </p:spPr>
         <p:txBody>
           <a:bodyPr anchorCtr="0" anchor="t" bIns="91425" lIns="91425" spcFirstLastPara="1" rIns="91425" wrap="square" tIns="91425">
-            <a:normAutofit/>
+            <a:normAutofit fontScale="90000"/>
           </a:bodyPr>
           <a:lstStyle/>
           <a:p>
@@ -8104,12 +8130,36 @@
               <a:buNone/>
             </a:pPr>
             <a:r>
-              <a:rPr b="1" lang="en" sz="1400"/>
+              <a:rPr b="1" lang="en" sz="1511"/>
               <a:t>Question</a:t>
             </a:r>
             <a:r>
+              <a:rPr lang="en" sz="1511"/>
+              <a:t>: Do older planes suffer more delays?</a:t>
+            </a:r>
+            <a:endParaRPr sz="1511"/>
+          </a:p>
+          <a:p>
+            <a:pPr indent="0" lvl="0" marL="0" rtl="0" algn="l">
+              <a:spcBef>
+                <a:spcPts val="0"/>
+              </a:spcBef>
+              <a:spcAft>
+                <a:spcPts val="0"/>
+              </a:spcAft>
+              <a:buNone/>
+            </a:pPr>
+            <a:r>
+              <a:rPr b="1" lang="en" sz="1511"/>
+              <a:t>Answer: </a:t>
+            </a:r>
+            <a:r>
+              <a:rPr lang="en" sz="1511"/>
+              <a:t>Below are the average delay against year of the planes. We can see the older planes don’t suffer more delay</a:t>
+            </a:r>
+            <a:r>
               <a:rPr lang="en" sz="1400"/>
-              <a:t>: Do older planes suffer more delays?</a:t>
+              <a:t>s.</a:t>
             </a:r>
             <a:endParaRPr sz="1400"/>
           </a:p>
@@ -8131,7 +8181,7 @@
         </p:blipFill>
         <p:spPr>
           <a:xfrm>
-            <a:off x="86675" y="928931"/>
+            <a:off x="86675" y="1005131"/>
             <a:ext cx="9144001" cy="3563889"/>
           </a:xfrm>
           <a:prstGeom prst="rect">
@@ -8143,50 +8193,6 @@
           </a:ln>
         </p:spPr>
       </p:pic>
-      <p:sp>
-        <p:nvSpPr>
-          <p:cNvPr id="113" name="Google Shape;113;p21"/>
-          <p:cNvSpPr txBox="1"/>
-          <p:nvPr>
-            <p:ph type="title"/>
-          </p:nvPr>
-        </p:nvSpPr>
-        <p:spPr>
-          <a:xfrm>
-            <a:off x="387900" y="4331225"/>
-            <a:ext cx="5261400" cy="572700"/>
-          </a:xfrm>
-          <a:prstGeom prst="rect">
-            <a:avLst/>
-          </a:prstGeom>
-        </p:spPr>
-        <p:txBody>
-          <a:bodyPr anchorCtr="0" anchor="t" bIns="91425" lIns="91425" spcFirstLastPara="1" rIns="91425" wrap="square" tIns="91425">
-            <a:normAutofit/>
-          </a:bodyPr>
-          <a:lstStyle/>
-          <a:p>
-            <a:pPr indent="0" lvl="0" marL="0" rtl="0" algn="l">
-              <a:spcBef>
-                <a:spcPts val="0"/>
-              </a:spcBef>
-              <a:spcAft>
-                <a:spcPts val="0"/>
-              </a:spcAft>
-              <a:buNone/>
-            </a:pPr>
-            <a:r>
-              <a:rPr b="1" lang="en" sz="1400"/>
-              <a:t>Answer</a:t>
-            </a:r>
-            <a:r>
-              <a:rPr lang="en" sz="1400"/>
-              <a:t>: No</a:t>
-            </a:r>
-            <a:endParaRPr sz="1400"/>
-          </a:p>
-        </p:txBody>
-      </p:sp>
     </p:spTree>
   </p:cSld>
   <p:clrMapOvr>
@@ -8196,6 +8202,285 @@
 </file>
 
 <file path=ppt/theme/theme1.xml><?xml version="1.0" encoding="utf-8"?>
+<a:theme xmlns:a="http://schemas.openxmlformats.org/drawingml/2006/main" xmlns:r="http://schemas.openxmlformats.org/officeDocument/2006/relationships" name="Simple Light">
+  <a:themeElements>
+    <a:clrScheme name="Simple Light">
+      <a:dk1>
+        <a:srgbClr val="000000"/>
+      </a:dk1>
+      <a:lt1>
+        <a:srgbClr val="FFFFFF"/>
+      </a:lt1>
+      <a:dk2>
+        <a:srgbClr val="595959"/>
+      </a:dk2>
+      <a:lt2>
+        <a:srgbClr val="EEEEEE"/>
+      </a:lt2>
+      <a:accent1>
+        <a:srgbClr val="4285F4"/>
+      </a:accent1>
+      <a:accent2>
+        <a:srgbClr val="212121"/>
+      </a:accent2>
+      <a:accent3>
+        <a:srgbClr val="78909C"/>
+      </a:accent3>
+      <a:accent4>
+        <a:srgbClr val="FFAB40"/>
+      </a:accent4>
+      <a:accent5>
+        <a:srgbClr val="0097A7"/>
+      </a:accent5>
+      <a:accent6>
+        <a:srgbClr val="EEFF41"/>
+      </a:accent6>
+      <a:hlink>
+        <a:srgbClr val="0097A7"/>
+      </a:hlink>
+      <a:folHlink>
+        <a:srgbClr val="0097A7"/>
+      </a:folHlink>
+    </a:clrScheme>
+    <a:fontScheme name="Office">
+      <a:majorFont>
+        <a:latin typeface="Arial"/>
+        <a:ea typeface=""/>
+        <a:cs typeface=""/>
+        <a:font script="Jpan" typeface="ＭＳ Ｐゴシック"/>
+        <a:font script="Hang" typeface="맑은 고딕"/>
+        <a:font script="Hans" typeface="宋体"/>
+        <a:font script="Hant" typeface="新細明體"/>
+        <a:font script="Arab" typeface="Times New Roman"/>
+        <a:font script="Hebr" typeface="Times New Roman"/>
+        <a:font script="Thai" typeface="Angsana New"/>
+        <a:font script="Ethi" typeface="Nyala"/>
+        <a:font script="Beng" typeface="Vrinda"/>
+        <a:font script="Gujr" typeface="Shruti"/>
+        <a:font script="Khmr" typeface="MoolBoran"/>
+        <a:font script="Knda" typeface="Tunga"/>
+        <a:font script="Guru" typeface="Raavi"/>
+        <a:font script="Cans" typeface="Euphemia"/>
+        <a:font script="Cher" typeface="Plantagenet Cherokee"/>
+        <a:font script="Yiii" typeface="Microsoft Yi Baiti"/>
+        <a:font script="Tibt" typeface="Microsoft Himalaya"/>
+        <a:font script="Thaa" typeface="MV Boli"/>
+        <a:font script="Deva" typeface="Mangal"/>
+        <a:font script="Telu" typeface="Gautami"/>
+        <a:font script="Taml" typeface="Latha"/>
+        <a:font script="Syrc" typeface="Estrangelo Edessa"/>
+        <a:font script="Orya" typeface="Kalinga"/>
+        <a:font script="Mlym" typeface="Kartika"/>
+        <a:font script="Laoo" typeface="DokChampa"/>
+        <a:font script="Sinh" typeface="Iskoola Pota"/>
+        <a:font script="Mong" typeface="Mongolian Baiti"/>
+        <a:font script="Viet" typeface="Times New Roman"/>
+        <a:font script="Uigh" typeface="Microsoft Uighur"/>
+        <a:font script="Geor" typeface="Sylfaen"/>
+      </a:majorFont>
+      <a:minorFont>
+        <a:latin typeface="Arial"/>
+        <a:ea typeface=""/>
+        <a:cs typeface=""/>
+        <a:font script="Jpan" typeface="ＭＳ Ｐゴシック"/>
+        <a:font script="Hang" typeface="맑은 고딕"/>
+        <a:font script="Hans" typeface="宋体"/>
+        <a:font script="Hant" typeface="新細明體"/>
+        <a:font script="Arab" typeface="Arial"/>
+        <a:font script="Hebr" typeface="Arial"/>
+        <a:font script="Thai" typeface="Cordia New"/>
+        <a:font script="Ethi" typeface="Nyala"/>
+        <a:font script="Beng" typeface="Vrinda"/>
+        <a:font script="Gujr" typeface="Shruti"/>
+        <a:font script="Khmr" typeface="DaunPenh"/>
+        <a:font script="Knda" typeface="Tunga"/>
+        <a:font script="Guru" typeface="Raavi"/>
+        <a:font script="Cans" typeface="Euphemia"/>
+        <a:font script="Cher" typeface="Plantagenet Cherokee"/>
+        <a:font script="Yiii" typeface="Microsoft Yi Baiti"/>
+        <a:font script="Tibt" typeface="Microsoft Himalaya"/>
+        <a:font script="Thaa" typeface="MV Boli"/>
+        <a:font script="Deva" typeface="Mangal"/>
+        <a:font script="Telu" typeface="Gautami"/>
+        <a:font script="Taml" typeface="Latha"/>
+        <a:font script="Syrc" typeface="Estrangelo Edessa"/>
+        <a:font script="Orya" typeface="Kalinga"/>
+        <a:font script="Mlym" typeface="Kartika"/>
+        <a:font script="Laoo" typeface="DokChampa"/>
+        <a:font script="Sinh" typeface="Iskoola Pota"/>
+        <a:font script="Mong" typeface="Mongolian Baiti"/>
+        <a:font script="Viet" typeface="Arial"/>
+        <a:font script="Uigh" typeface="Microsoft Uighur"/>
+        <a:font script="Geor" typeface="Sylfaen"/>
+      </a:minorFont>
+    </a:fontScheme>
+    <a:fmtScheme name="Office">
+      <a:fillStyleLst>
+        <a:solidFill>
+          <a:schemeClr val="phClr"/>
+        </a:solidFill>
+        <a:gradFill rotWithShape="1">
+          <a:gsLst>
+            <a:gs pos="0">
+              <a:schemeClr val="phClr">
+                <a:tint val="50000"/>
+                <a:satMod val="300000"/>
+              </a:schemeClr>
+            </a:gs>
+            <a:gs pos="35000">
+              <a:schemeClr val="phClr">
+                <a:tint val="37000"/>
+                <a:satMod val="300000"/>
+              </a:schemeClr>
+            </a:gs>
+            <a:gs pos="100000">
+              <a:schemeClr val="phClr">
+                <a:tint val="15000"/>
+                <a:satMod val="350000"/>
+              </a:schemeClr>
+            </a:gs>
+          </a:gsLst>
+          <a:lin ang="16200000" scaled="1"/>
+        </a:gradFill>
+        <a:gradFill rotWithShape="1">
+          <a:gsLst>
+            <a:gs pos="0">
+              <a:schemeClr val="phClr">
+                <a:tint val="100000"/>
+                <a:shade val="100000"/>
+                <a:satMod val="130000"/>
+              </a:schemeClr>
+            </a:gs>
+            <a:gs pos="100000">
+              <a:schemeClr val="phClr">
+                <a:tint val="50000"/>
+                <a:shade val="100000"/>
+                <a:satMod val="350000"/>
+              </a:schemeClr>
+            </a:gs>
+          </a:gsLst>
+          <a:lin ang="16200000" scaled="0"/>
+        </a:gradFill>
+      </a:fillStyleLst>
+      <a:lnStyleLst>
+        <a:ln w="9525" cap="flat" cmpd="sng" algn="ctr">
+          <a:solidFill>
+            <a:schemeClr val="phClr">
+              <a:shade val="95000"/>
+              <a:satMod val="105000"/>
+            </a:schemeClr>
+          </a:solidFill>
+          <a:prstDash val="solid"/>
+        </a:ln>
+        <a:ln w="25400" cap="flat" cmpd="sng" algn="ctr">
+          <a:solidFill>
+            <a:schemeClr val="phClr"/>
+          </a:solidFill>
+          <a:prstDash val="solid"/>
+        </a:ln>
+        <a:ln w="38100" cap="flat" cmpd="sng" algn="ctr">
+          <a:solidFill>
+            <a:schemeClr val="phClr"/>
+          </a:solidFill>
+          <a:prstDash val="solid"/>
+        </a:ln>
+      </a:lnStyleLst>
+      <a:effectStyleLst>
+        <a:effectStyle>
+          <a:effectLst>
+            <a:outerShdw blurRad="40000" dist="20000" dir="5400000" rotWithShape="0">
+              <a:srgbClr val="000000">
+                <a:alpha val="38000"/>
+              </a:srgbClr>
+            </a:outerShdw>
+          </a:effectLst>
+        </a:effectStyle>
+        <a:effectStyle>
+          <a:effectLst>
+            <a:outerShdw blurRad="40000" dist="23000" dir="5400000" rotWithShape="0">
+              <a:srgbClr val="000000">
+                <a:alpha val="35000"/>
+              </a:srgbClr>
+            </a:outerShdw>
+          </a:effectLst>
+        </a:effectStyle>
+        <a:effectStyle>
+          <a:effectLst>
+            <a:outerShdw blurRad="40000" dist="23000" dir="5400000" rotWithShape="0">
+              <a:srgbClr val="000000">
+                <a:alpha val="35000"/>
+              </a:srgbClr>
+            </a:outerShdw>
+          </a:effectLst>
+          <a:scene3d>
+            <a:camera prst="orthographicFront">
+              <a:rot lat="0" lon="0" rev="0"/>
+            </a:camera>
+            <a:lightRig rig="threePt" dir="t">
+              <a:rot lat="0" lon="0" rev="1200000"/>
+            </a:lightRig>
+          </a:scene3d>
+          <a:sp3d>
+            <a:bevelT w="63500" h="25400"/>
+          </a:sp3d>
+        </a:effectStyle>
+      </a:effectStyleLst>
+      <a:bgFillStyleLst>
+        <a:solidFill>
+          <a:schemeClr val="phClr"/>
+        </a:solidFill>
+        <a:gradFill rotWithShape="1">
+          <a:gsLst>
+            <a:gs pos="0">
+              <a:schemeClr val="phClr">
+                <a:tint val="40000"/>
+                <a:satMod val="350000"/>
+              </a:schemeClr>
+            </a:gs>
+            <a:gs pos="40000">
+              <a:schemeClr val="phClr">
+                <a:tint val="45000"/>
+                <a:shade val="99000"/>
+                <a:satMod val="350000"/>
+              </a:schemeClr>
+            </a:gs>
+            <a:gs pos="100000">
+              <a:schemeClr val="phClr">
+                <a:shade val="20000"/>
+                <a:satMod val="255000"/>
+              </a:schemeClr>
+            </a:gs>
+          </a:gsLst>
+          <a:path path="circle">
+            <a:fillToRect l="50000" t="-80000" r="50000" b="180000"/>
+          </a:path>
+        </a:gradFill>
+        <a:gradFill rotWithShape="1">
+          <a:gsLst>
+            <a:gs pos="0">
+              <a:schemeClr val="phClr">
+                <a:tint val="80000"/>
+                <a:satMod val="300000"/>
+              </a:schemeClr>
+            </a:gs>
+            <a:gs pos="100000">
+              <a:schemeClr val="phClr">
+                <a:shade val="30000"/>
+                <a:satMod val="200000"/>
+              </a:schemeClr>
+            </a:gs>
+          </a:gsLst>
+          <a:path path="circle">
+            <a:fillToRect l="50000" t="50000" r="50000" b="50000"/>
+          </a:path>
+        </a:gradFill>
+      </a:bgFillStyleLst>
+    </a:fmtScheme>
+  </a:themeElements>
+</a:theme>
+</file>
+
+<file path=ppt/theme/theme2.xml><?xml version="1.0" encoding="utf-8"?>
 <a:theme xmlns:a="http://schemas.openxmlformats.org/drawingml/2006/main" xmlns:r="http://schemas.openxmlformats.org/officeDocument/2006/relationships">
   <a:themeElements>
     <a:clrScheme name="Default">
@@ -8472,283 +8757,4 @@
     </a:fmtScheme>
   </a:themeElements>
 </a:theme>
-</file>
-
-<file path=ppt/theme/theme2.xml><?xml version="1.0" encoding="utf-8"?>
-<a:theme xmlns:a="http://schemas.openxmlformats.org/drawingml/2006/main" xmlns:r="http://schemas.openxmlformats.org/officeDocument/2006/relationships" name="Simple Light">
-  <a:themeElements>
-    <a:clrScheme name="Simple Light">
-      <a:dk1>
-        <a:srgbClr val="000000"/>
-      </a:dk1>
-      <a:lt1>
-        <a:srgbClr val="FFFFFF"/>
-      </a:lt1>
-      <a:dk2>
-        <a:srgbClr val="595959"/>
-      </a:dk2>
-      <a:lt2>
-        <a:srgbClr val="EEEEEE"/>
-      </a:lt2>
-      <a:accent1>
-        <a:srgbClr val="4285F4"/>
-      </a:accent1>
-      <a:accent2>
-        <a:srgbClr val="212121"/>
-      </a:accent2>
-      <a:accent3>
-        <a:srgbClr val="78909C"/>
-      </a:accent3>
-      <a:accent4>
-        <a:srgbClr val="FFAB40"/>
-      </a:accent4>
-      <a:accent5>
-        <a:srgbClr val="0097A7"/>
-      </a:accent5>
-      <a:accent6>
-        <a:srgbClr val="EEFF41"/>
-      </a:accent6>
-      <a:hlink>
-        <a:srgbClr val="0097A7"/>
-      </a:hlink>
-      <a:folHlink>
-        <a:srgbClr val="0097A7"/>
-      </a:folHlink>
-    </a:clrScheme>
-    <a:fontScheme name="Office">
-      <a:majorFont>
-        <a:latin typeface="Arial"/>
-        <a:ea typeface=""/>
-        <a:cs typeface=""/>
-        <a:font script="Jpan" typeface="ＭＳ Ｐゴシック"/>
-        <a:font script="Hang" typeface="맑은 고딕"/>
-        <a:font script="Hans" typeface="宋体"/>
-        <a:font script="Hant" typeface="新細明體"/>
-        <a:font script="Arab" typeface="Times New Roman"/>
-        <a:font script="Hebr" typeface="Times New Roman"/>
-        <a:font script="Thai" typeface="Angsana New"/>
-        <a:font script="Ethi" typeface="Nyala"/>
-        <a:font script="Beng" typeface="Vrinda"/>
-        <a:font script="Gujr" typeface="Shruti"/>
-        <a:font script="Khmr" typeface="MoolBoran"/>
-        <a:font script="Knda" typeface="Tunga"/>
-        <a:font script="Guru" typeface="Raavi"/>
-        <a:font script="Cans" typeface="Euphemia"/>
-        <a:font script="Cher" typeface="Plantagenet Cherokee"/>
-        <a:font script="Yiii" typeface="Microsoft Yi Baiti"/>
-        <a:font script="Tibt" typeface="Microsoft Himalaya"/>
-        <a:font script="Thaa" typeface="MV Boli"/>
-        <a:font script="Deva" typeface="Mangal"/>
-        <a:font script="Telu" typeface="Gautami"/>
-        <a:font script="Taml" typeface="Latha"/>
-        <a:font script="Syrc" typeface="Estrangelo Edessa"/>
-        <a:font script="Orya" typeface="Kalinga"/>
-        <a:font script="Mlym" typeface="Kartika"/>
-        <a:font script="Laoo" typeface="DokChampa"/>
-        <a:font script="Sinh" typeface="Iskoola Pota"/>
-        <a:font script="Mong" typeface="Mongolian Baiti"/>
-        <a:font script="Viet" typeface="Times New Roman"/>
-        <a:font script="Uigh" typeface="Microsoft Uighur"/>
-        <a:font script="Geor" typeface="Sylfaen"/>
-      </a:majorFont>
-      <a:minorFont>
-        <a:latin typeface="Arial"/>
-        <a:ea typeface=""/>
-        <a:cs typeface=""/>
-        <a:font script="Jpan" typeface="ＭＳ Ｐゴシック"/>
-        <a:font script="Hang" typeface="맑은 고딕"/>
-        <a:font script="Hans" typeface="宋体"/>
-        <a:font script="Hant" typeface="新細明體"/>
-        <a:font script="Arab" typeface="Arial"/>
-        <a:font script="Hebr" typeface="Arial"/>
-        <a:font script="Thai" typeface="Cordia New"/>
-        <a:font script="Ethi" typeface="Nyala"/>
-        <a:font script="Beng" typeface="Vrinda"/>
-        <a:font script="Gujr" typeface="Shruti"/>
-        <a:font script="Khmr" typeface="DaunPenh"/>
-        <a:font script="Knda" typeface="Tunga"/>
-        <a:font script="Guru" typeface="Raavi"/>
-        <a:font script="Cans" typeface="Euphemia"/>
-        <a:font script="Cher" typeface="Plantagenet Cherokee"/>
-        <a:font script="Yiii" typeface="Microsoft Yi Baiti"/>
-        <a:font script="Tibt" typeface="Microsoft Himalaya"/>
-        <a:font script="Thaa" typeface="MV Boli"/>
-        <a:font script="Deva" typeface="Mangal"/>
-        <a:font script="Telu" typeface="Gautami"/>
-        <a:font script="Taml" typeface="Latha"/>
-        <a:font script="Syrc" typeface="Estrangelo Edessa"/>
-        <a:font script="Orya" typeface="Kalinga"/>
-        <a:font script="Mlym" typeface="Kartika"/>
-        <a:font script="Laoo" typeface="DokChampa"/>
-        <a:font script="Sinh" typeface="Iskoola Pota"/>
-        <a:font script="Mong" typeface="Mongolian Baiti"/>
-        <a:font script="Viet" typeface="Arial"/>
-        <a:font script="Uigh" typeface="Microsoft Uighur"/>
-        <a:font script="Geor" typeface="Sylfaen"/>
-      </a:minorFont>
-    </a:fontScheme>
-    <a:fmtScheme name="Office">
-      <a:fillStyleLst>
-        <a:solidFill>
-          <a:schemeClr val="phClr"/>
-        </a:solidFill>
-        <a:gradFill rotWithShape="1">
-          <a:gsLst>
-            <a:gs pos="0">
-              <a:schemeClr val="phClr">
-                <a:tint val="50000"/>
-                <a:satMod val="300000"/>
-              </a:schemeClr>
-            </a:gs>
-            <a:gs pos="35000">
-              <a:schemeClr val="phClr">
-                <a:tint val="37000"/>
-                <a:satMod val="300000"/>
-              </a:schemeClr>
-            </a:gs>
-            <a:gs pos="100000">
-              <a:schemeClr val="phClr">
-                <a:tint val="15000"/>
-                <a:satMod val="350000"/>
-              </a:schemeClr>
-            </a:gs>
-          </a:gsLst>
-          <a:lin ang="16200000" scaled="1"/>
-        </a:gradFill>
-        <a:gradFill rotWithShape="1">
-          <a:gsLst>
-            <a:gs pos="0">
-              <a:schemeClr val="phClr">
-                <a:tint val="100000"/>
-                <a:shade val="100000"/>
-                <a:satMod val="130000"/>
-              </a:schemeClr>
-            </a:gs>
-            <a:gs pos="100000">
-              <a:schemeClr val="phClr">
-                <a:tint val="50000"/>
-                <a:shade val="100000"/>
-                <a:satMod val="350000"/>
-              </a:schemeClr>
-            </a:gs>
-          </a:gsLst>
-          <a:lin ang="16200000" scaled="0"/>
-        </a:gradFill>
-      </a:fillStyleLst>
-      <a:lnStyleLst>
-        <a:ln w="9525" cap="flat" cmpd="sng" algn="ctr">
-          <a:solidFill>
-            <a:schemeClr val="phClr">
-              <a:shade val="95000"/>
-              <a:satMod val="105000"/>
-            </a:schemeClr>
-          </a:solidFill>
-          <a:prstDash val="solid"/>
-        </a:ln>
-        <a:ln w="25400" cap="flat" cmpd="sng" algn="ctr">
-          <a:solidFill>
-            <a:schemeClr val="phClr"/>
-          </a:solidFill>
-          <a:prstDash val="solid"/>
-        </a:ln>
-        <a:ln w="38100" cap="flat" cmpd="sng" algn="ctr">
-          <a:solidFill>
-            <a:schemeClr val="phClr"/>
-          </a:solidFill>
-          <a:prstDash val="solid"/>
-        </a:ln>
-      </a:lnStyleLst>
-      <a:effectStyleLst>
-        <a:effectStyle>
-          <a:effectLst>
-            <a:outerShdw blurRad="40000" dist="20000" dir="5400000" rotWithShape="0">
-              <a:srgbClr val="000000">
-                <a:alpha val="38000"/>
-              </a:srgbClr>
-            </a:outerShdw>
-          </a:effectLst>
-        </a:effectStyle>
-        <a:effectStyle>
-          <a:effectLst>
-            <a:outerShdw blurRad="40000" dist="23000" dir="5400000" rotWithShape="0">
-              <a:srgbClr val="000000">
-                <a:alpha val="35000"/>
-              </a:srgbClr>
-            </a:outerShdw>
-          </a:effectLst>
-        </a:effectStyle>
-        <a:effectStyle>
-          <a:effectLst>
-            <a:outerShdw blurRad="40000" dist="23000" dir="5400000" rotWithShape="0">
-              <a:srgbClr val="000000">
-                <a:alpha val="35000"/>
-              </a:srgbClr>
-            </a:outerShdw>
-          </a:effectLst>
-          <a:scene3d>
-            <a:camera prst="orthographicFront">
-              <a:rot lat="0" lon="0" rev="0"/>
-            </a:camera>
-            <a:lightRig rig="threePt" dir="t">
-              <a:rot lat="0" lon="0" rev="1200000"/>
-            </a:lightRig>
-          </a:scene3d>
-          <a:sp3d>
-            <a:bevelT w="63500" h="25400"/>
-          </a:sp3d>
-        </a:effectStyle>
-      </a:effectStyleLst>
-      <a:bgFillStyleLst>
-        <a:solidFill>
-          <a:schemeClr val="phClr"/>
-        </a:solidFill>
-        <a:gradFill rotWithShape="1">
-          <a:gsLst>
-            <a:gs pos="0">
-              <a:schemeClr val="phClr">
-                <a:tint val="40000"/>
-                <a:satMod val="350000"/>
-              </a:schemeClr>
-            </a:gs>
-            <a:gs pos="40000">
-              <a:schemeClr val="phClr">
-                <a:tint val="45000"/>
-                <a:shade val="99000"/>
-                <a:satMod val="350000"/>
-              </a:schemeClr>
-            </a:gs>
-            <a:gs pos="100000">
-              <a:schemeClr val="phClr">
-                <a:shade val="20000"/>
-                <a:satMod val="255000"/>
-              </a:schemeClr>
-            </a:gs>
-          </a:gsLst>
-          <a:path path="circle">
-            <a:fillToRect l="50000" t="-80000" r="50000" b="180000"/>
-          </a:path>
-        </a:gradFill>
-        <a:gradFill rotWithShape="1">
-          <a:gsLst>
-            <a:gs pos="0">
-              <a:schemeClr val="phClr">
-                <a:tint val="80000"/>
-                <a:satMod val="300000"/>
-              </a:schemeClr>
-            </a:gs>
-            <a:gs pos="100000">
-              <a:schemeClr val="phClr">
-                <a:shade val="30000"/>
-                <a:satMod val="200000"/>
-              </a:schemeClr>
-            </a:gs>
-          </a:gsLst>
-          <a:path path="circle">
-            <a:fillToRect l="50000" t="50000" r="50000" b="50000"/>
-          </a:path>
-        </a:gradFill>
-      </a:bgFillStyleLst>
-    </a:fmtScheme>
-  </a:themeElements>
-</a:theme>
 </file>